--- a/documentos/PresentacionEnergia.pptx
+++ b/documentos/PresentacionEnergia.pptx
@@ -8,7 +8,9 @@
     <p:sldId id="256" r:id="rId2"/>
     <p:sldId id="257" r:id="rId3"/>
     <p:sldId id="258" r:id="rId4"/>
-    <p:sldId id="259" r:id="rId5"/>
+    <p:sldId id="261" r:id="rId5"/>
+    <p:sldId id="260" r:id="rId6"/>
+    <p:sldId id="259" r:id="rId7"/>
   </p:sldIdLst>
   <p:sldSz cx="12192000" cy="6858000"/>
   <p:notesSz cx="6858000" cy="9144000"/>
@@ -107,6 +109,11 @@
       </a:defRPr>
     </a:lvl9pPr>
   </p:defaultTextStyle>
+  <p:extLst>
+    <p:ext uri="{EFAFB233-063F-42B5-8137-9DF3F51BA10A}">
+      <p15:sldGuideLst xmlns:p15="http://schemas.microsoft.com/office/powerpoint/2012/main"/>
+    </p:ext>
+  </p:extLst>
 </p:presentation>
 </file>
 
@@ -7673,9 +7680,65 @@
           <a:chExt cx="0" cy="0"/>
         </a:xfrm>
       </p:grpSpPr>
+      <p:sp>
+        <p:nvSpPr>
+          <p:cNvPr id="2" name="Título 1"/>
+          <p:cNvSpPr>
+            <a:spLocks noGrp="1"/>
+          </p:cNvSpPr>
+          <p:nvPr>
+            <p:ph type="ctrTitle"/>
+          </p:nvPr>
+        </p:nvSpPr>
+        <p:spPr>
+          <a:xfrm>
+            <a:off x="658498" y="463079"/>
+            <a:ext cx="9144000" cy="989200"/>
+          </a:xfrm>
+        </p:spPr>
+        <p:txBody>
+          <a:bodyPr>
+            <a:normAutofit fontScale="90000"/>
+          </a:bodyPr>
+          <a:lstStyle/>
+          <a:p>
+            <a:pPr algn="ctr"/>
+            <a:r>
+              <a:rPr lang="es-PE" dirty="0">
+                <a:solidFill>
+                  <a:srgbClr val="0070C0"/>
+                </a:solidFill>
+              </a:rPr>
+              <a:t/>
+            </a:r>
+            <a:br>
+              <a:rPr lang="es-PE" dirty="0">
+                <a:solidFill>
+                  <a:srgbClr val="0070C0"/>
+                </a:solidFill>
+              </a:rPr>
+            </a:br>
+            <a:r>
+              <a:rPr lang="es-PE" dirty="0" smtClean="0">
+                <a:solidFill>
+                  <a:srgbClr val="0070C0"/>
+                </a:solidFill>
+                <a:latin typeface="Algerian" panose="04020705040A02060702" pitchFamily="82" charset="0"/>
+              </a:rPr>
+              <a:t>Intel XDK</a:t>
+            </a:r>
+            <a:endParaRPr lang="es-PE" dirty="0">
+              <a:solidFill>
+                <a:srgbClr val="0070C0"/>
+              </a:solidFill>
+              <a:latin typeface="Algerian" panose="04020705040A02060702" pitchFamily="82" charset="0"/>
+            </a:endParaRPr>
+          </a:p>
+        </p:txBody>
+      </p:sp>
       <p:pic>
         <p:nvPicPr>
-          <p:cNvPr id="6" name="Imagen 5"/>
+          <p:cNvPr id="4" name="Imagen 3"/>
           <p:cNvPicPr>
             <a:picLocks noChangeAspect="1"/>
           </p:cNvPicPr>
@@ -7695,91 +7758,17 @@
         </p:blipFill>
         <p:spPr>
           <a:xfrm>
-            <a:off x="1524000" y="1504775"/>
-            <a:ext cx="7632880" cy="5069329"/>
+            <a:off x="391866" y="2328037"/>
+            <a:ext cx="2000250" cy="2000250"/>
           </a:xfrm>
           <a:prstGeom prst="rect">
             <a:avLst/>
           </a:prstGeom>
         </p:spPr>
       </p:pic>
-      <p:sp>
-        <p:nvSpPr>
-          <p:cNvPr id="2" name="Título 1"/>
-          <p:cNvSpPr>
-            <a:spLocks noGrp="1"/>
-          </p:cNvSpPr>
-          <p:nvPr>
-            <p:ph type="ctrTitle"/>
-          </p:nvPr>
-        </p:nvSpPr>
-        <p:spPr>
-          <a:xfrm>
-            <a:off x="1524000" y="1122363"/>
-            <a:ext cx="9144000" cy="382412"/>
-          </a:xfrm>
-        </p:spPr>
-        <p:txBody>
-          <a:bodyPr>
-            <a:normAutofit fontScale="90000"/>
-          </a:bodyPr>
-          <a:lstStyle/>
-          <a:p>
-            <a:r>
-              <a:rPr lang="es-PE" dirty="0">
-                <a:solidFill>
-                  <a:srgbClr val="0070C0"/>
-                </a:solidFill>
-              </a:rPr>
-              <a:t/>
-            </a:r>
-            <a:br>
-              <a:rPr lang="es-PE" dirty="0">
-                <a:solidFill>
-                  <a:srgbClr val="0070C0"/>
-                </a:solidFill>
-              </a:rPr>
-            </a:br>
-            <a:r>
-              <a:rPr lang="es-PE" dirty="0" smtClean="0">
-                <a:solidFill>
-                  <a:srgbClr val="0070C0"/>
-                </a:solidFill>
-                <a:latin typeface="Algerian" panose="04020705040A02060702" pitchFamily="82" charset="0"/>
-              </a:rPr>
-              <a:t>Intel XDK</a:t>
-            </a:r>
-            <a:endParaRPr lang="es-PE" dirty="0">
-              <a:solidFill>
-                <a:srgbClr val="0070C0"/>
-              </a:solidFill>
-              <a:latin typeface="Algerian" panose="04020705040A02060702" pitchFamily="82" charset="0"/>
-            </a:endParaRPr>
-          </a:p>
-        </p:txBody>
-      </p:sp>
-      <p:sp>
-        <p:nvSpPr>
-          <p:cNvPr id="3" name="Subtítulo 2"/>
-          <p:cNvSpPr>
-            <a:spLocks noGrp="1"/>
-          </p:cNvSpPr>
-          <p:nvPr>
-            <p:ph type="subTitle" idx="1"/>
-          </p:nvPr>
-        </p:nvSpPr>
-        <p:spPr/>
-        <p:txBody>
-          <a:bodyPr/>
-          <a:lstStyle/>
-          <a:p>
-            <a:endParaRPr lang="es-PE" dirty="0"/>
-          </a:p>
-        </p:txBody>
-      </p:sp>
       <p:pic>
         <p:nvPicPr>
-          <p:cNvPr id="4" name="Imagen 3"/>
+          <p:cNvPr id="5" name="Imagen 4"/>
           <p:cNvPicPr>
             <a:picLocks noChangeAspect="1"/>
           </p:cNvPicPr>
@@ -7799,24 +7788,474 @@
         </p:blipFill>
         <p:spPr>
           <a:xfrm>
-            <a:off x="9432835" y="1194696"/>
-            <a:ext cx="2000250" cy="2000250"/>
+            <a:off x="8730934" y="4714875"/>
+            <a:ext cx="2143125" cy="2143125"/>
           </a:xfrm>
           <a:prstGeom prst="rect">
             <a:avLst/>
           </a:prstGeom>
         </p:spPr>
       </p:pic>
+      <p:sp>
+        <p:nvSpPr>
+          <p:cNvPr id="7" name="Título 1"/>
+          <p:cNvSpPr txBox="1">
+            <a:spLocks/>
+          </p:cNvSpPr>
+          <p:nvPr/>
+        </p:nvSpPr>
+        <p:spPr>
+          <a:xfrm>
+            <a:off x="1996225" y="1147971"/>
+            <a:ext cx="6100142" cy="1917201"/>
+          </a:xfrm>
+          <a:prstGeom prst="rect">
+            <a:avLst/>
+          </a:prstGeom>
+        </p:spPr>
+        <p:txBody>
+          <a:bodyPr vert="horz" lIns="91440" tIns="45720" rIns="91440" bIns="45720" rtlCol="0" anchor="b">
+            <a:normAutofit fontScale="60000" lnSpcReduction="20000"/>
+          </a:bodyPr>
+          <a:lstStyle>
+            <a:lvl1pPr algn="l" defTabSz="457200" rtl="0" eaLnBrk="1" latinLnBrk="0" hangingPunct="1">
+              <a:spcBef>
+                <a:spcPct val="0"/>
+              </a:spcBef>
+              <a:buNone/>
+              <a:defRPr sz="5400" kern="1200">
+                <a:solidFill>
+                  <a:schemeClr val="accent2">
+                    <a:lumMod val="75000"/>
+                  </a:schemeClr>
+                </a:solidFill>
+                <a:latin typeface="+mj-lt"/>
+                <a:ea typeface="+mj-ea"/>
+                <a:cs typeface="+mj-cs"/>
+              </a:defRPr>
+            </a:lvl1pPr>
+            <a:lvl2pPr eaLnBrk="1" hangingPunct="1">
+              <a:defRPr>
+                <a:solidFill>
+                  <a:schemeClr val="tx2"/>
+                </a:solidFill>
+              </a:defRPr>
+            </a:lvl2pPr>
+            <a:lvl3pPr eaLnBrk="1" hangingPunct="1">
+              <a:defRPr>
+                <a:solidFill>
+                  <a:schemeClr val="tx2"/>
+                </a:solidFill>
+              </a:defRPr>
+            </a:lvl3pPr>
+            <a:lvl4pPr eaLnBrk="1" hangingPunct="1">
+              <a:defRPr>
+                <a:solidFill>
+                  <a:schemeClr val="tx2"/>
+                </a:solidFill>
+              </a:defRPr>
+            </a:lvl4pPr>
+            <a:lvl5pPr eaLnBrk="1" hangingPunct="1">
+              <a:defRPr>
+                <a:solidFill>
+                  <a:schemeClr val="tx2"/>
+                </a:solidFill>
+              </a:defRPr>
+            </a:lvl5pPr>
+            <a:lvl6pPr eaLnBrk="1" hangingPunct="1">
+              <a:defRPr>
+                <a:solidFill>
+                  <a:schemeClr val="tx2"/>
+                </a:solidFill>
+              </a:defRPr>
+            </a:lvl6pPr>
+            <a:lvl7pPr eaLnBrk="1" hangingPunct="1">
+              <a:defRPr>
+                <a:solidFill>
+                  <a:schemeClr val="tx2"/>
+                </a:solidFill>
+              </a:defRPr>
+            </a:lvl7pPr>
+            <a:lvl8pPr eaLnBrk="1" hangingPunct="1">
+              <a:defRPr>
+                <a:solidFill>
+                  <a:schemeClr val="tx2"/>
+                </a:solidFill>
+              </a:defRPr>
+            </a:lvl8pPr>
+            <a:lvl9pPr eaLnBrk="1" hangingPunct="1">
+              <a:defRPr>
+                <a:solidFill>
+                  <a:schemeClr val="tx2"/>
+                </a:solidFill>
+              </a:defRPr>
+            </a:lvl9pPr>
+          </a:lstStyle>
+          <a:p>
+            <a:pPr algn="ctr"/>
+            <a:r>
+              <a:rPr lang="es-PE" dirty="0" smtClean="0">
+                <a:solidFill>
+                  <a:srgbClr val="0070C0"/>
+                </a:solidFill>
+              </a:rPr>
+              <a:t/>
+            </a:r>
+            <a:br>
+              <a:rPr lang="es-PE" dirty="0" smtClean="0">
+                <a:solidFill>
+                  <a:srgbClr val="0070C0"/>
+                </a:solidFill>
+              </a:rPr>
+            </a:br>
+            <a:r>
+              <a:rPr lang="es-PE" dirty="0" smtClean="0">
+                <a:solidFill>
+                  <a:schemeClr val="accent1">
+                    <a:lumMod val="50000"/>
+                  </a:schemeClr>
+                </a:solidFill>
+                <a:latin typeface="Algerian" panose="04020705040A02060702" pitchFamily="82" charset="0"/>
+              </a:rPr>
+              <a:t>Proyecto: </a:t>
+            </a:r>
+            <a:r>
+              <a:rPr lang="es-PE" dirty="0" smtClean="0">
+                <a:solidFill>
+                  <a:schemeClr val="bg2">
+                    <a:lumMod val="50000"/>
+                  </a:schemeClr>
+                </a:solidFill>
+                <a:latin typeface="Algerian" panose="04020705040A02060702" pitchFamily="82" charset="0"/>
+              </a:rPr>
+              <a:t>aplicación móvil que calcula el consumo de energía eléctrica</a:t>
+            </a:r>
+            <a:endParaRPr lang="es-PE" dirty="0">
+              <a:solidFill>
+                <a:schemeClr val="bg2">
+                  <a:lumMod val="50000"/>
+                </a:schemeClr>
+              </a:solidFill>
+              <a:latin typeface="Algerian" panose="04020705040A02060702" pitchFamily="82" charset="0"/>
+            </a:endParaRPr>
+          </a:p>
+        </p:txBody>
+      </p:sp>
       <p:pic>
         <p:nvPicPr>
-          <p:cNvPr id="5" name="Imagen 4"/>
+          <p:cNvPr id="8" name="Imagen 7"/>
+          <p:cNvPicPr>
+            <a:picLocks noChangeAspect="1"/>
+          </p:cNvPicPr>
+          <p:nvPr/>
+        </p:nvPicPr>
+        <p:blipFill rotWithShape="1">
+          <a:blip r:embed="rId4"/>
+          <a:srcRect l="43525" t="16750" r="28007" b="13554"/>
+          <a:stretch/>
+        </p:blipFill>
+        <p:spPr>
+          <a:xfrm>
+            <a:off x="8359266" y="355155"/>
+            <a:ext cx="2886463" cy="3973132"/>
+          </a:xfrm>
+          <a:prstGeom prst="rect">
+            <a:avLst/>
+          </a:prstGeom>
+        </p:spPr>
+      </p:pic>
+      <p:sp>
+        <p:nvSpPr>
+          <p:cNvPr id="9" name="Título 1"/>
+          <p:cNvSpPr txBox="1">
+            <a:spLocks/>
+          </p:cNvSpPr>
+          <p:nvPr/>
+        </p:nvSpPr>
+        <p:spPr>
+          <a:xfrm>
+            <a:off x="1851170" y="4194800"/>
+            <a:ext cx="6245197" cy="1498477"/>
+          </a:xfrm>
+          <a:prstGeom prst="rect">
+            <a:avLst/>
+          </a:prstGeom>
+        </p:spPr>
+        <p:txBody>
+          <a:bodyPr vert="horz" lIns="91440" tIns="45720" rIns="91440" bIns="45720" rtlCol="0" anchor="b">
+            <a:normAutofit fontScale="67500" lnSpcReduction="20000"/>
+          </a:bodyPr>
+          <a:lstStyle>
+            <a:lvl1pPr algn="l" defTabSz="457200" rtl="0" eaLnBrk="1" latinLnBrk="0" hangingPunct="1">
+              <a:spcBef>
+                <a:spcPct val="0"/>
+              </a:spcBef>
+              <a:buNone/>
+              <a:defRPr sz="5400" kern="1200">
+                <a:solidFill>
+                  <a:schemeClr val="accent2">
+                    <a:lumMod val="75000"/>
+                  </a:schemeClr>
+                </a:solidFill>
+                <a:latin typeface="+mj-lt"/>
+                <a:ea typeface="+mj-ea"/>
+                <a:cs typeface="+mj-cs"/>
+              </a:defRPr>
+            </a:lvl1pPr>
+            <a:lvl2pPr eaLnBrk="1" hangingPunct="1">
+              <a:defRPr>
+                <a:solidFill>
+                  <a:schemeClr val="tx2"/>
+                </a:solidFill>
+              </a:defRPr>
+            </a:lvl2pPr>
+            <a:lvl3pPr eaLnBrk="1" hangingPunct="1">
+              <a:defRPr>
+                <a:solidFill>
+                  <a:schemeClr val="tx2"/>
+                </a:solidFill>
+              </a:defRPr>
+            </a:lvl3pPr>
+            <a:lvl4pPr eaLnBrk="1" hangingPunct="1">
+              <a:defRPr>
+                <a:solidFill>
+                  <a:schemeClr val="tx2"/>
+                </a:solidFill>
+              </a:defRPr>
+            </a:lvl4pPr>
+            <a:lvl5pPr eaLnBrk="1" hangingPunct="1">
+              <a:defRPr>
+                <a:solidFill>
+                  <a:schemeClr val="tx2"/>
+                </a:solidFill>
+              </a:defRPr>
+            </a:lvl5pPr>
+            <a:lvl6pPr eaLnBrk="1" hangingPunct="1">
+              <a:defRPr>
+                <a:solidFill>
+                  <a:schemeClr val="tx2"/>
+                </a:solidFill>
+              </a:defRPr>
+            </a:lvl6pPr>
+            <a:lvl7pPr eaLnBrk="1" hangingPunct="1">
+              <a:defRPr>
+                <a:solidFill>
+                  <a:schemeClr val="tx2"/>
+                </a:solidFill>
+              </a:defRPr>
+            </a:lvl7pPr>
+            <a:lvl8pPr eaLnBrk="1" hangingPunct="1">
+              <a:defRPr>
+                <a:solidFill>
+                  <a:schemeClr val="tx2"/>
+                </a:solidFill>
+              </a:defRPr>
+            </a:lvl8pPr>
+            <a:lvl9pPr eaLnBrk="1" hangingPunct="1">
+              <a:defRPr>
+                <a:solidFill>
+                  <a:schemeClr val="tx2"/>
+                </a:solidFill>
+              </a:defRPr>
+            </a:lvl9pPr>
+          </a:lstStyle>
+          <a:p>
+            <a:pPr algn="ctr"/>
+            <a:r>
+              <a:rPr lang="es-PE" dirty="0" smtClean="0">
+                <a:solidFill>
+                  <a:srgbClr val="0070C0"/>
+                </a:solidFill>
+              </a:rPr>
+              <a:t/>
+            </a:r>
+            <a:br>
+              <a:rPr lang="es-PE" dirty="0" smtClean="0">
+                <a:solidFill>
+                  <a:srgbClr val="0070C0"/>
+                </a:solidFill>
+              </a:rPr>
+            </a:br>
+            <a:r>
+              <a:rPr lang="es-PE" dirty="0" smtClean="0">
+                <a:solidFill>
+                  <a:schemeClr val="accent1">
+                    <a:lumMod val="50000"/>
+                  </a:schemeClr>
+                </a:solidFill>
+                <a:latin typeface="Algerian" panose="04020705040A02060702" pitchFamily="82" charset="0"/>
+              </a:rPr>
+              <a:t>curso: </a:t>
+            </a:r>
+            <a:r>
+              <a:rPr lang="es-PE" dirty="0" smtClean="0">
+                <a:solidFill>
+                  <a:srgbClr val="0070C0"/>
+                </a:solidFill>
+                <a:latin typeface="Algerian" panose="04020705040A02060702" pitchFamily="82" charset="0"/>
+              </a:rPr>
+              <a:t>ingeniería de software ii</a:t>
+            </a:r>
+            <a:endParaRPr lang="es-PE" dirty="0">
+              <a:solidFill>
+                <a:srgbClr val="0070C0"/>
+              </a:solidFill>
+              <a:latin typeface="Algerian" panose="04020705040A02060702" pitchFamily="82" charset="0"/>
+            </a:endParaRPr>
+          </a:p>
+        </p:txBody>
+      </p:sp>
+      <p:sp>
+        <p:nvSpPr>
+          <p:cNvPr id="10" name="Título 1"/>
+          <p:cNvSpPr txBox="1">
+            <a:spLocks/>
+          </p:cNvSpPr>
+          <p:nvPr/>
+        </p:nvSpPr>
+        <p:spPr>
+          <a:xfrm>
+            <a:off x="1633319" y="5458245"/>
+            <a:ext cx="6245197" cy="1498477"/>
+          </a:xfrm>
+          <a:prstGeom prst="rect">
+            <a:avLst/>
+          </a:prstGeom>
+        </p:spPr>
+        <p:txBody>
+          <a:bodyPr vert="horz" lIns="91440" tIns="45720" rIns="91440" bIns="45720" rtlCol="0" anchor="b">
+            <a:normAutofit fontScale="67500" lnSpcReduction="20000"/>
+          </a:bodyPr>
+          <a:lstStyle>
+            <a:lvl1pPr algn="l" defTabSz="457200" rtl="0" eaLnBrk="1" latinLnBrk="0" hangingPunct="1">
+              <a:spcBef>
+                <a:spcPct val="0"/>
+              </a:spcBef>
+              <a:buNone/>
+              <a:defRPr sz="5400" kern="1200">
+                <a:solidFill>
+                  <a:schemeClr val="accent2">
+                    <a:lumMod val="75000"/>
+                  </a:schemeClr>
+                </a:solidFill>
+                <a:latin typeface="+mj-lt"/>
+                <a:ea typeface="+mj-ea"/>
+                <a:cs typeface="+mj-cs"/>
+              </a:defRPr>
+            </a:lvl1pPr>
+            <a:lvl2pPr eaLnBrk="1" hangingPunct="1">
+              <a:defRPr>
+                <a:solidFill>
+                  <a:schemeClr val="tx2"/>
+                </a:solidFill>
+              </a:defRPr>
+            </a:lvl2pPr>
+            <a:lvl3pPr eaLnBrk="1" hangingPunct="1">
+              <a:defRPr>
+                <a:solidFill>
+                  <a:schemeClr val="tx2"/>
+                </a:solidFill>
+              </a:defRPr>
+            </a:lvl3pPr>
+            <a:lvl4pPr eaLnBrk="1" hangingPunct="1">
+              <a:defRPr>
+                <a:solidFill>
+                  <a:schemeClr val="tx2"/>
+                </a:solidFill>
+              </a:defRPr>
+            </a:lvl4pPr>
+            <a:lvl5pPr eaLnBrk="1" hangingPunct="1">
+              <a:defRPr>
+                <a:solidFill>
+                  <a:schemeClr val="tx2"/>
+                </a:solidFill>
+              </a:defRPr>
+            </a:lvl5pPr>
+            <a:lvl6pPr eaLnBrk="1" hangingPunct="1">
+              <a:defRPr>
+                <a:solidFill>
+                  <a:schemeClr val="tx2"/>
+                </a:solidFill>
+              </a:defRPr>
+            </a:lvl6pPr>
+            <a:lvl7pPr eaLnBrk="1" hangingPunct="1">
+              <a:defRPr>
+                <a:solidFill>
+                  <a:schemeClr val="tx2"/>
+                </a:solidFill>
+              </a:defRPr>
+            </a:lvl7pPr>
+            <a:lvl8pPr eaLnBrk="1" hangingPunct="1">
+              <a:defRPr>
+                <a:solidFill>
+                  <a:schemeClr val="tx2"/>
+                </a:solidFill>
+              </a:defRPr>
+            </a:lvl8pPr>
+            <a:lvl9pPr eaLnBrk="1" hangingPunct="1">
+              <a:defRPr>
+                <a:solidFill>
+                  <a:schemeClr val="tx2"/>
+                </a:solidFill>
+              </a:defRPr>
+            </a:lvl9pPr>
+          </a:lstStyle>
+          <a:p>
+            <a:pPr algn="ctr"/>
+            <a:r>
+              <a:rPr lang="es-PE" dirty="0" smtClean="0">
+                <a:solidFill>
+                  <a:srgbClr val="0070C0"/>
+                </a:solidFill>
+              </a:rPr>
+              <a:t/>
+            </a:r>
+            <a:br>
+              <a:rPr lang="es-PE" dirty="0" smtClean="0">
+                <a:solidFill>
+                  <a:srgbClr val="0070C0"/>
+                </a:solidFill>
+              </a:rPr>
+            </a:br>
+            <a:r>
+              <a:rPr lang="es-PE" dirty="0" smtClean="0">
+                <a:solidFill>
+                  <a:schemeClr val="accent1">
+                    <a:lumMod val="50000"/>
+                  </a:schemeClr>
+                </a:solidFill>
+                <a:latin typeface="Algerian" panose="04020705040A02060702" pitchFamily="82" charset="0"/>
+              </a:rPr>
+              <a:t>Docente: </a:t>
+            </a:r>
+            <a:r>
+              <a:rPr lang="es-PE" dirty="0" smtClean="0">
+                <a:solidFill>
+                  <a:srgbClr val="0070C0"/>
+                </a:solidFill>
+                <a:latin typeface="Algerian" panose="04020705040A02060702" pitchFamily="82" charset="0"/>
+              </a:rPr>
+              <a:t>ing. Iván  Soria Solís</a:t>
+            </a:r>
+            <a:endParaRPr lang="es-PE" dirty="0">
+              <a:solidFill>
+                <a:srgbClr val="0070C0"/>
+              </a:solidFill>
+              <a:latin typeface="Algerian" panose="04020705040A02060702" pitchFamily="82" charset="0"/>
+            </a:endParaRPr>
+          </a:p>
+        </p:txBody>
+      </p:sp>
+      <p:pic>
+        <p:nvPicPr>
+          <p:cNvPr id="12" name="Imagen 11"/>
           <p:cNvPicPr>
             <a:picLocks noChangeAspect="1"/>
           </p:cNvPicPr>
           <p:nvPr/>
         </p:nvPicPr>
         <p:blipFill>
-          <a:blip r:embed="rId4">
+          <a:blip r:embed="rId5">
             <a:extLst>
               <a:ext uri="{28A0092B-C50C-407E-A947-70E740481C1C}">
                 <a14:useLocalDpi xmlns:a14="http://schemas.microsoft.com/office/drawing/2010/main" val="0"/>
@@ -7829,8 +8268,8 @@
         </p:blipFill>
         <p:spPr>
           <a:xfrm>
-            <a:off x="9596437" y="4039439"/>
-            <a:ext cx="2143125" cy="2143125"/>
+            <a:off x="2410402" y="3112070"/>
+            <a:ext cx="5903815" cy="1434171"/>
           </a:xfrm>
           <a:prstGeom prst="rect">
             <a:avLst/>
@@ -7847,6 +8286,13 @@
   <p:clrMapOvr>
     <a:masterClrMapping/>
   </p:clrMapOvr>
+  <p:timing>
+    <p:tnLst>
+      <p:par>
+        <p:cTn id="1" dur="indefinite" restart="never" nodeType="tmRoot"/>
+      </p:par>
+    </p:tnLst>
+  </p:timing>
 </p:sld>
 </file>
 
@@ -7890,7 +8336,9 @@
               <a:rPr lang="es-PE" dirty="0"/>
             </a:br>
             <a:r>
-              <a:rPr lang="es-PE" dirty="0"/>
+              <a:rPr lang="es-PE" dirty="0">
+                <a:latin typeface="Algerian" panose="04020705040A02060702" pitchFamily="82" charset="0"/>
+              </a:rPr>
               <a:t>¿Que es Intel XDK? </a:t>
             </a:r>
           </a:p>
@@ -7908,111 +8356,384 @@
         </p:nvSpPr>
         <p:spPr>
           <a:xfrm>
-            <a:off x="838200" y="1825625"/>
+            <a:off x="1791237" y="1905000"/>
             <a:ext cx="7674735" cy="4351338"/>
           </a:xfrm>
         </p:spPr>
         <p:txBody>
           <a:bodyPr>
-            <a:normAutofit/>
+            <a:normAutofit fontScale="92500" lnSpcReduction="20000"/>
           </a:bodyPr>
           <a:lstStyle/>
           <a:p>
             <a:endParaRPr lang="es-PE" dirty="0"/>
           </a:p>
           <a:p>
-            <a:endParaRPr lang="es-PE" dirty="0"/>
-          </a:p>
-          <a:p>
-            <a:r>
-              <a:rPr lang="es-PE" dirty="0"/>
-              <a:t>Es una plataforma para desarrollo de aplicaciones HTML5 </a:t>
-            </a:r>
-          </a:p>
-          <a:p>
-            <a:r>
-              <a:rPr lang="es-PE" dirty="0"/>
-              <a:t>–IDE </a:t>
-            </a:r>
-          </a:p>
-          <a:p>
-            <a:r>
-              <a:rPr lang="es-PE" dirty="0"/>
+            <a:r>
+              <a:rPr lang="es-PE" sz="2000" dirty="0" smtClean="0">
+                <a:latin typeface="Franklin Gothic Heavy" panose="020B0903020102020204" pitchFamily="34" charset="0"/>
+              </a:rPr>
+              <a:t>Es </a:t>
+            </a:r>
+            <a:r>
+              <a:rPr lang="es-PE" sz="2000" dirty="0">
+                <a:latin typeface="Franklin Gothic Heavy" panose="020B0903020102020204" pitchFamily="34" charset="0"/>
+              </a:rPr>
+              <a:t>una plataforma para desarrollo de aplicaciones </a:t>
+            </a:r>
+            <a:r>
+              <a:rPr lang="es-PE" sz="2000" dirty="0" smtClean="0">
+                <a:latin typeface="Franklin Gothic Heavy" panose="020B0903020102020204" pitchFamily="34" charset="0"/>
+              </a:rPr>
+              <a:t>HTML5</a:t>
+            </a:r>
+          </a:p>
+          <a:p>
+            <a:r>
+              <a:rPr lang="es-PE" sz="2000" dirty="0" smtClean="0">
+                <a:latin typeface="Franklin Gothic Heavy" panose="020B0903020102020204" pitchFamily="34" charset="0"/>
+              </a:rPr>
+              <a:t>Permite </a:t>
+            </a:r>
+            <a:r>
+              <a:rPr lang="es-PE" sz="2000" dirty="0">
+                <a:latin typeface="Franklin Gothic Heavy" panose="020B0903020102020204" pitchFamily="34" charset="0"/>
+              </a:rPr>
+              <a:t>desarrollar, probar y empaquetar apps HTML5 web e híbridas a través de distintas plataformas, app </a:t>
+            </a:r>
+            <a:r>
+              <a:rPr lang="es-PE" sz="2000" dirty="0" err="1">
+                <a:latin typeface="Franklin Gothic Heavy" panose="020B0903020102020204" pitchFamily="34" charset="0"/>
+              </a:rPr>
+              <a:t>stores</a:t>
+            </a:r>
+            <a:r>
+              <a:rPr lang="es-PE" sz="2000" dirty="0">
+                <a:latin typeface="Franklin Gothic Heavy" panose="020B0903020102020204" pitchFamily="34" charset="0"/>
+              </a:rPr>
+              <a:t> y dispositivos.</a:t>
+            </a:r>
+          </a:p>
+          <a:p>
+            <a:r>
+              <a:rPr lang="es-PE" sz="2000" dirty="0" smtClean="0">
+                <a:latin typeface="Franklin Gothic Heavy" panose="020B0903020102020204" pitchFamily="34" charset="0"/>
+              </a:rPr>
+              <a:t> –</a:t>
+            </a:r>
+            <a:r>
+              <a:rPr lang="es-PE" sz="2000" dirty="0">
+                <a:latin typeface="Franklin Gothic Heavy" panose="020B0903020102020204" pitchFamily="34" charset="0"/>
+              </a:rPr>
+              <a:t>IDE </a:t>
+            </a:r>
+            <a:endParaRPr lang="es-PE" sz="2000" dirty="0" smtClean="0">
+              <a:latin typeface="Franklin Gothic Heavy" panose="020B0903020102020204" pitchFamily="34" charset="0"/>
+            </a:endParaRPr>
+          </a:p>
+          <a:p>
+            <a:r>
+              <a:rPr lang="es-PE" sz="2000" dirty="0">
+                <a:latin typeface="Franklin Gothic Heavy" panose="020B0903020102020204" pitchFamily="34" charset="0"/>
+              </a:rPr>
+              <a:t>Diseñador </a:t>
+            </a:r>
+            <a:r>
+              <a:rPr lang="es-PE" sz="2000" dirty="0" err="1">
+                <a:latin typeface="Franklin Gothic Heavy" panose="020B0903020102020204" pitchFamily="34" charset="0"/>
+              </a:rPr>
+              <a:t>drag</a:t>
+            </a:r>
+            <a:r>
+              <a:rPr lang="es-PE" sz="2000" dirty="0">
+                <a:latin typeface="Franklin Gothic Heavy" panose="020B0903020102020204" pitchFamily="34" charset="0"/>
+              </a:rPr>
+              <a:t>-and-</a:t>
+            </a:r>
+            <a:r>
+              <a:rPr lang="es-PE" sz="2000" dirty="0" err="1">
+                <a:latin typeface="Franklin Gothic Heavy" panose="020B0903020102020204" pitchFamily="34" charset="0"/>
+              </a:rPr>
+              <a:t>drop</a:t>
+            </a:r>
+            <a:r>
+              <a:rPr lang="es-PE" sz="2000" dirty="0">
+                <a:latin typeface="Franklin Gothic Heavy" panose="020B0903020102020204" pitchFamily="34" charset="0"/>
+              </a:rPr>
+              <a:t>.</a:t>
+            </a:r>
+            <a:endParaRPr lang="es-PE" sz="2000" dirty="0">
+              <a:latin typeface="Franklin Gothic Heavy" panose="020B0903020102020204" pitchFamily="34" charset="0"/>
+            </a:endParaRPr>
+          </a:p>
+          <a:p>
+            <a:r>
+              <a:rPr lang="es-PE" sz="2000" dirty="0">
+                <a:latin typeface="Franklin Gothic Heavy" panose="020B0903020102020204" pitchFamily="34" charset="0"/>
+              </a:rPr>
               <a:t>–Emulador </a:t>
             </a:r>
           </a:p>
           <a:p>
             <a:r>
-              <a:rPr lang="es-PE" dirty="0"/>
+              <a:rPr lang="es-PE" sz="2000" dirty="0">
+                <a:latin typeface="Franklin Gothic Heavy" panose="020B0903020102020204" pitchFamily="34" charset="0"/>
+              </a:rPr>
               <a:t>–Depuración local </a:t>
             </a:r>
           </a:p>
           <a:p>
             <a:r>
-              <a:rPr lang="es-PE" dirty="0"/>
+              <a:rPr lang="es-PE" sz="2000" dirty="0">
+                <a:latin typeface="Franklin Gothic Heavy" panose="020B0903020102020204" pitchFamily="34" charset="0"/>
+              </a:rPr>
               <a:t>–Depuración en dispositivo </a:t>
             </a:r>
           </a:p>
           <a:p>
             <a:r>
-              <a:rPr lang="es-PE" dirty="0"/>
+              <a:rPr lang="es-PE" sz="2000" dirty="0">
+                <a:latin typeface="Franklin Gothic Heavy" panose="020B0903020102020204" pitchFamily="34" charset="0"/>
+              </a:rPr>
               <a:t>–Publicación </a:t>
             </a:r>
           </a:p>
           <a:p>
             <a:r>
-              <a:rPr lang="es-PE" dirty="0" smtClean="0">
+              <a:rPr lang="es-PE" sz="2000" dirty="0" smtClean="0">
+                <a:latin typeface="Franklin Gothic Heavy" panose="020B0903020102020204" pitchFamily="34" charset="0"/>
                 <a:hlinkClick r:id="rId2" action="ppaction://hlinksldjump"/>
               </a:rPr>
               <a:t>http</a:t>
             </a:r>
             <a:r>
-              <a:rPr lang="es-PE" dirty="0">
+              <a:rPr lang="es-PE" sz="2000" dirty="0">
+                <a:latin typeface="Franklin Gothic Heavy" panose="020B0903020102020204" pitchFamily="34" charset="0"/>
                 <a:hlinkClick r:id="rId2" action="ppaction://hlinksldjump"/>
               </a:rPr>
               <a:t>://xdk-software.intel.com/ </a:t>
             </a:r>
+            <a:endParaRPr lang="es-PE" sz="2000" dirty="0">
+              <a:latin typeface="Franklin Gothic Heavy" panose="020B0903020102020204" pitchFamily="34" charset="0"/>
+            </a:endParaRPr>
+          </a:p>
+          <a:p>
+            <a:r>
+              <a:rPr lang="es-PE" sz="2000" dirty="0" smtClean="0">
+                <a:latin typeface="Franklin Gothic Heavy" panose="020B0903020102020204" pitchFamily="34" charset="0"/>
+              </a:rPr>
+              <a:t>El </a:t>
+            </a:r>
+            <a:r>
+              <a:rPr lang="es-PE" sz="2000" dirty="0">
+                <a:latin typeface="Franklin Gothic Heavy" panose="020B0903020102020204" pitchFamily="34" charset="0"/>
+              </a:rPr>
+              <a:t>App </a:t>
+            </a:r>
+            <a:r>
+              <a:rPr lang="es-PE" sz="2000" dirty="0" err="1">
+                <a:latin typeface="Franklin Gothic Heavy" panose="020B0903020102020204" pitchFamily="34" charset="0"/>
+              </a:rPr>
+              <a:t>preview</a:t>
+            </a:r>
+            <a:r>
+              <a:rPr lang="es-PE" sz="2000" dirty="0">
+                <a:latin typeface="Franklin Gothic Heavy" panose="020B0903020102020204" pitchFamily="34" charset="0"/>
+              </a:rPr>
+              <a:t> se descarga desde </a:t>
+            </a:r>
+            <a:r>
+              <a:rPr lang="es-PE" sz="2000" dirty="0" err="1">
+                <a:latin typeface="Franklin Gothic Heavy" panose="020B0903020102020204" pitchFamily="34" charset="0"/>
+              </a:rPr>
+              <a:t>appsotre</a:t>
+            </a:r>
+            <a:r>
+              <a:rPr lang="es-PE" sz="2000" dirty="0">
+                <a:latin typeface="Franklin Gothic Heavy" panose="020B0903020102020204" pitchFamily="34" charset="0"/>
+              </a:rPr>
+              <a:t> o google </a:t>
+            </a:r>
+            <a:r>
+              <a:rPr lang="es-PE" sz="2000" dirty="0" err="1">
+                <a:latin typeface="Franklin Gothic Heavy" panose="020B0903020102020204" pitchFamily="34" charset="0"/>
+              </a:rPr>
+              <a:t>play</a:t>
+            </a:r>
+            <a:r>
+              <a:rPr lang="es-PE" sz="2000" dirty="0">
+                <a:latin typeface="Franklin Gothic Heavy" panose="020B0903020102020204" pitchFamily="34" charset="0"/>
+              </a:rPr>
+              <a:t>. </a:t>
+            </a:r>
+          </a:p>
+          <a:p>
             <a:endParaRPr lang="es-PE" dirty="0"/>
           </a:p>
-          <a:p>
-            <a:r>
-              <a:rPr lang="es-PE" dirty="0" smtClean="0"/>
-              <a:t>El </a:t>
-            </a:r>
-            <a:r>
-              <a:rPr lang="es-PE" dirty="0"/>
-              <a:t>App </a:t>
-            </a:r>
-            <a:r>
-              <a:rPr lang="es-PE" dirty="0" err="1"/>
-              <a:t>preview</a:t>
-            </a:r>
-            <a:r>
-              <a:rPr lang="es-PE" dirty="0"/>
-              <a:t> se descarga desde </a:t>
-            </a:r>
-            <a:r>
-              <a:rPr lang="es-PE" dirty="0" err="1"/>
-              <a:t>appsotre</a:t>
-            </a:r>
-            <a:r>
-              <a:rPr lang="es-PE" dirty="0"/>
-              <a:t> o google </a:t>
-            </a:r>
-            <a:r>
-              <a:rPr lang="es-PE" dirty="0" err="1"/>
-              <a:t>play</a:t>
-            </a:r>
-            <a:r>
-              <a:rPr lang="es-PE" dirty="0"/>
-              <a:t>. </a:t>
-            </a:r>
-          </a:p>
-          <a:p>
+        </p:txBody>
+      </p:sp>
+      <p:pic>
+        <p:nvPicPr>
+          <p:cNvPr id="4" name="Imagen 3"/>
+          <p:cNvPicPr>
+            <a:picLocks noChangeAspect="1"/>
+          </p:cNvPicPr>
+          <p:nvPr/>
+        </p:nvPicPr>
+        <p:blipFill>
+          <a:blip r:embed="rId3"/>
+          <a:stretch>
+            <a:fillRect/>
+          </a:stretch>
+        </p:blipFill>
+        <p:spPr>
+          <a:xfrm>
+            <a:off x="6158552" y="3185890"/>
+            <a:ext cx="4036722" cy="2596724"/>
+          </a:xfrm>
+          <a:prstGeom prst="rect">
+            <a:avLst/>
+          </a:prstGeom>
+        </p:spPr>
+      </p:pic>
+      <p:sp>
+        <p:nvSpPr>
+          <p:cNvPr id="5" name="Rectángulo 4"/>
+          <p:cNvSpPr/>
+          <p:nvPr/>
+        </p:nvSpPr>
+        <p:spPr>
+          <a:xfrm>
+            <a:off x="9172229" y="5933172"/>
+            <a:ext cx="2436675" cy="646331"/>
+          </a:xfrm>
+          <a:prstGeom prst="rect">
+            <a:avLst/>
+          </a:prstGeom>
+        </p:spPr>
+        <p:style>
+          <a:lnRef idx="1">
+            <a:schemeClr val="accent6"/>
+          </a:lnRef>
+          <a:fillRef idx="3">
+            <a:schemeClr val="accent6"/>
+          </a:fillRef>
+          <a:effectRef idx="2">
+            <a:schemeClr val="accent6"/>
+          </a:effectRef>
+          <a:fontRef idx="minor">
+            <a:schemeClr val="lt1"/>
+          </a:fontRef>
+        </p:style>
+        <p:txBody>
+          <a:bodyPr wrap="square">
+            <a:spAutoFit/>
+          </a:bodyPr>
+          <a:lstStyle/>
+          <a:p>
+            <a:r>
+              <a:rPr lang="es-PE" dirty="0" smtClean="0">
+                <a:ln w="0"/>
+                <a:solidFill>
+                  <a:schemeClr val="tx1"/>
+                </a:solidFill>
+                <a:effectLst>
+                  <a:outerShdw blurRad="38100" dist="19050" dir="2700000" algn="tl" rotWithShape="0">
+                    <a:schemeClr val="dk1">
+                      <a:alpha val="40000"/>
+                    </a:schemeClr>
+                  </a:outerShdw>
+                </a:effectLst>
+                <a:latin typeface="Helvetica" panose="020B0604020202020204" pitchFamily="34" charset="0"/>
+              </a:rPr>
+              <a:t>Obtenlo </a:t>
+            </a:r>
+            <a:r>
+              <a:rPr lang="es-PE" dirty="0">
+                <a:ln w="0"/>
+                <a:solidFill>
+                  <a:schemeClr val="tx1"/>
+                </a:solidFill>
+                <a:effectLst>
+                  <a:outerShdw blurRad="38100" dist="19050" dir="2700000" algn="tl" rotWithShape="0">
+                    <a:schemeClr val="dk1">
+                      <a:alpha val="40000"/>
+                    </a:schemeClr>
+                  </a:outerShdw>
+                </a:effectLst>
+                <a:latin typeface="Helvetica" panose="020B0604020202020204" pitchFamily="34" charset="0"/>
+              </a:rPr>
+              <a:t>gratis en</a:t>
+            </a:r>
+          </a:p>
+          <a:p>
+            <a:r>
+              <a:rPr lang="es-PE" dirty="0">
+                <a:solidFill>
+                  <a:srgbClr val="00AFF0"/>
+                </a:solidFill>
+                <a:latin typeface="Helvetica" panose="020B0604020202020204" pitchFamily="34" charset="0"/>
+              </a:rPr>
+              <a:t>http://xdk.intel.com</a:t>
+            </a:r>
             <a:endParaRPr lang="es-PE" dirty="0"/>
           </a:p>
         </p:txBody>
       </p:sp>
+      <p:pic>
+        <p:nvPicPr>
+          <p:cNvPr id="6" name="Imagen 5"/>
+          <p:cNvPicPr>
+            <a:picLocks noChangeAspect="1"/>
+          </p:cNvPicPr>
+          <p:nvPr/>
+        </p:nvPicPr>
+        <p:blipFill>
+          <a:blip r:embed="rId4">
+            <a:extLst>
+              <a:ext uri="{28A0092B-C50C-407E-A947-70E740481C1C}">
+                <a14:useLocalDpi xmlns:a14="http://schemas.microsoft.com/office/drawing/2010/main" val="0"/>
+              </a:ext>
+            </a:extLst>
+          </a:blip>
+          <a:stretch>
+            <a:fillRect/>
+          </a:stretch>
+        </p:blipFill>
+        <p:spPr>
+          <a:xfrm>
+            <a:off x="10191750" y="0"/>
+            <a:ext cx="2000250" cy="2000250"/>
+          </a:xfrm>
+          <a:prstGeom prst="rect">
+            <a:avLst/>
+          </a:prstGeom>
+          <a:ln w="127000" cap="rnd">
+            <a:solidFill>
+              <a:srgbClr val="FFFFFF"/>
+            </a:solidFill>
+          </a:ln>
+          <a:effectLst>
+            <a:outerShdw blurRad="76200" dist="95250" dir="10500000" sx="97000" sy="23000" kx="900000" algn="br" rotWithShape="0">
+              <a:srgbClr val="000000">
+                <a:alpha val="20000"/>
+              </a:srgbClr>
+            </a:outerShdw>
+          </a:effectLst>
+          <a:scene3d>
+            <a:camera prst="orthographicFront"/>
+            <a:lightRig rig="twoPt" dir="t">
+              <a:rot lat="0" lon="0" rev="7800000"/>
+            </a:lightRig>
+          </a:scene3d>
+          <a:sp3d contourW="6350">
+            <a:bevelT w="50800" h="16510"/>
+            <a:contourClr>
+              <a:srgbClr val="C0C0C0"/>
+            </a:contourClr>
+          </a:sp3d>
+        </p:spPr>
+      </p:pic>
     </p:spTree>
     <p:extLst>
       <p:ext uri="{BB962C8B-B14F-4D97-AF65-F5344CB8AC3E}">
@@ -8023,6 +8744,13 @@
   <p:clrMapOvr>
     <a:masterClrMapping/>
   </p:clrMapOvr>
+  <p:timing>
+    <p:tnLst>
+      <p:par>
+        <p:cTn id="1" dur="indefinite" restart="never" nodeType="tmRoot"/>
+      </p:par>
+    </p:tnLst>
+  </p:timing>
 </p:sld>
 </file>
 
@@ -8055,7 +8783,7 @@
         </p:nvSpPr>
         <p:spPr>
           <a:xfrm>
-            <a:off x="773806" y="197699"/>
+            <a:off x="1676400" y="500061"/>
             <a:ext cx="10515600" cy="1325563"/>
           </a:xfrm>
         </p:spPr>
@@ -8071,12 +8799,12 @@
               <a:rPr lang="es-PE" dirty="0"/>
             </a:br>
             <a:r>
-              <a:rPr lang="es-PE" dirty="0" err="1"/>
-              <a:t>Vias</a:t>
+              <a:rPr lang="es-PE" dirty="0" smtClean="0"/>
+              <a:t>Vías </a:t>
             </a:r>
             <a:r>
               <a:rPr lang="es-PE" dirty="0"/>
-              <a:t> para empezar </a:t>
+              <a:t>para empezar </a:t>
             </a:r>
           </a:p>
         </p:txBody>
@@ -8121,6 +8849,173 @@
 </file>
 
 <file path=ppt/slides/slide4.xml><?xml version="1.0" encoding="utf-8"?>
+<p:sld xmlns:a="http://schemas.openxmlformats.org/drawingml/2006/main" xmlns:r="http://schemas.openxmlformats.org/officeDocument/2006/relationships" xmlns:p="http://schemas.openxmlformats.org/presentationml/2006/main">
+  <p:cSld>
+    <p:spTree>
+      <p:nvGrpSpPr>
+        <p:cNvPr id="1" name=""/>
+        <p:cNvGrpSpPr/>
+        <p:nvPr/>
+      </p:nvGrpSpPr>
+      <p:grpSpPr>
+        <a:xfrm>
+          <a:off x="0" y="0"/>
+          <a:ext cx="0" cy="0"/>
+          <a:chOff x="0" y="0"/>
+          <a:chExt cx="0" cy="0"/>
+        </a:xfrm>
+      </p:grpSpPr>
+      <p:sp>
+        <p:nvSpPr>
+          <p:cNvPr id="2" name="Título 1"/>
+          <p:cNvSpPr>
+            <a:spLocks noGrp="1"/>
+          </p:cNvSpPr>
+          <p:nvPr>
+            <p:ph type="title"/>
+          </p:nvPr>
+        </p:nvSpPr>
+        <p:spPr/>
+        <p:txBody>
+          <a:bodyPr/>
+          <a:lstStyle/>
+          <a:p>
+            <a:endParaRPr lang="es-PE" dirty="0"/>
+          </a:p>
+        </p:txBody>
+      </p:sp>
+      <p:sp>
+        <p:nvSpPr>
+          <p:cNvPr id="3" name="Marcador de contenido 2"/>
+          <p:cNvSpPr>
+            <a:spLocks noGrp="1"/>
+          </p:cNvSpPr>
+          <p:nvPr>
+            <p:ph idx="1"/>
+          </p:nvPr>
+        </p:nvSpPr>
+        <p:spPr/>
+        <p:txBody>
+          <a:bodyPr/>
+          <a:lstStyle/>
+          <a:p>
+            <a:endParaRPr lang="es-PE"/>
+          </a:p>
+        </p:txBody>
+      </p:sp>
+    </p:spTree>
+    <p:extLst>
+      <p:ext uri="{BB962C8B-B14F-4D97-AF65-F5344CB8AC3E}">
+        <p14:creationId xmlns:p14="http://schemas.microsoft.com/office/powerpoint/2010/main" val="558900471"/>
+      </p:ext>
+    </p:extLst>
+  </p:cSld>
+  <p:clrMapOvr>
+    <a:masterClrMapping/>
+  </p:clrMapOvr>
+</p:sld>
+</file>
+
+<file path=ppt/slides/slide5.xml><?xml version="1.0" encoding="utf-8"?>
+<p:sld xmlns:a="http://schemas.openxmlformats.org/drawingml/2006/main" xmlns:r="http://schemas.openxmlformats.org/officeDocument/2006/relationships" xmlns:p="http://schemas.openxmlformats.org/presentationml/2006/main">
+  <p:cSld>
+    <p:spTree>
+      <p:nvGrpSpPr>
+        <p:cNvPr id="1" name=""/>
+        <p:cNvGrpSpPr/>
+        <p:nvPr/>
+      </p:nvGrpSpPr>
+      <p:grpSpPr>
+        <a:xfrm>
+          <a:off x="0" y="0"/>
+          <a:ext cx="0" cy="0"/>
+          <a:chOff x="0" y="0"/>
+          <a:chExt cx="0" cy="0"/>
+        </a:xfrm>
+      </p:grpSpPr>
+      <p:sp>
+        <p:nvSpPr>
+          <p:cNvPr id="2" name="Título 1"/>
+          <p:cNvSpPr>
+            <a:spLocks noGrp="1"/>
+          </p:cNvSpPr>
+          <p:nvPr>
+            <p:ph type="title"/>
+          </p:nvPr>
+        </p:nvSpPr>
+        <p:spPr>
+          <a:xfrm>
+            <a:off x="1807581" y="206062"/>
+            <a:ext cx="8911687" cy="940158"/>
+          </a:xfrm>
+        </p:spPr>
+        <p:txBody>
+          <a:bodyPr>
+            <a:normAutofit/>
+          </a:bodyPr>
+          <a:lstStyle/>
+          <a:p>
+            <a:pPr algn="ctr"/>
+            <a:r>
+              <a:rPr lang="es-PE" dirty="0">
+                <a:latin typeface="Algerian" panose="04020705040A02060702" pitchFamily="82" charset="0"/>
+              </a:rPr>
+              <a:t>XDK</a:t>
+            </a:r>
+            <a:br>
+              <a:rPr lang="es-PE" dirty="0">
+                <a:latin typeface="Algerian" panose="04020705040A02060702" pitchFamily="82" charset="0"/>
+              </a:rPr>
+            </a:br>
+            <a:r>
+              <a:rPr lang="es-PE" sz="1600" dirty="0">
+                <a:latin typeface="Algerian" panose="04020705040A02060702" pitchFamily="82" charset="0"/>
+              </a:rPr>
+              <a:t>Todo lo que necesitas para construir apps híbridas</a:t>
+            </a:r>
+            <a:endParaRPr lang="es-PE" sz="2400" dirty="0">
+              <a:latin typeface="Algerian" panose="04020705040A02060702" pitchFamily="82" charset="0"/>
+            </a:endParaRPr>
+          </a:p>
+        </p:txBody>
+      </p:sp>
+      <p:pic>
+        <p:nvPicPr>
+          <p:cNvPr id="4" name="Imagen 3"/>
+          <p:cNvPicPr>
+            <a:picLocks noChangeAspect="1"/>
+          </p:cNvPicPr>
+          <p:nvPr/>
+        </p:nvPicPr>
+        <p:blipFill rotWithShape="1">
+          <a:blip r:embed="rId2"/>
+          <a:srcRect l="1478" t="1471" r="5691" b="2346"/>
+          <a:stretch/>
+        </p:blipFill>
+        <p:spPr>
+          <a:xfrm>
+            <a:off x="792694" y="1313644"/>
+            <a:ext cx="10669504" cy="5544355"/>
+          </a:xfrm>
+          <a:prstGeom prst="rect">
+            <a:avLst/>
+          </a:prstGeom>
+        </p:spPr>
+      </p:pic>
+    </p:spTree>
+    <p:extLst>
+      <p:ext uri="{BB962C8B-B14F-4D97-AF65-F5344CB8AC3E}">
+        <p14:creationId xmlns:p14="http://schemas.microsoft.com/office/powerpoint/2010/main" val="1524626067"/>
+      </p:ext>
+    </p:extLst>
+  </p:cSld>
+  <p:clrMapOvr>
+    <a:masterClrMapping/>
+  </p:clrMapOvr>
+</p:sld>
+</file>
+
+<file path=ppt/slides/slide6.xml><?xml version="1.0" encoding="utf-8"?>
 <p:sld xmlns:a="http://schemas.openxmlformats.org/drawingml/2006/main" xmlns:r="http://schemas.openxmlformats.org/officeDocument/2006/relationships" xmlns:p="http://schemas.openxmlformats.org/presentationml/2006/main">
   <p:cSld>
     <p:spTree>
